--- a/PPT/#2DBMS.pptx
+++ b/PPT/#2DBMS.pptx
@@ -230,7 +230,7 @@
           <a:p>
             <a:fld id="{705E03B7-B591-4A2A-B695-014C5A39F13E}" type="datetimeFigureOut">
               <a:rPr lang="en-US"/>
-              <a:t>2021-12-19</a:t>
+              <a:t>23-Dec-2024</a:t>
             </a:fld>
             <a:endParaRPr/>
           </a:p>
@@ -395,7 +395,7 @@
           <a:p>
             <a:fld id="{67DFBD7B-E4FB-4AA8-9540-FD148073ACB3}" type="datetimeFigureOut">
               <a:rPr lang="en-US"/>
-              <a:t>2021-12-19</a:t>
+              <a:t>23-Dec-2024</a:t>
             </a:fld>
             <a:endParaRPr/>
           </a:p>
@@ -459,35 +459,30 @@
           <a:p>
             <a:pPr lvl="0"/>
             <a:r>
-              <a:rPr/>
               <a:t>Click to edit Master text styles</a:t>
             </a:r>
           </a:p>
           <a:p>
             <a:pPr lvl="1"/>
             <a:r>
-              <a:rPr/>
               <a:t>Second level</a:t>
             </a:r>
           </a:p>
           <a:p>
             <a:pPr lvl="2"/>
             <a:r>
-              <a:rPr/>
               <a:t>Third level</a:t>
             </a:r>
           </a:p>
           <a:p>
             <a:pPr lvl="3"/>
             <a:r>
-              <a:rPr/>
               <a:t>Fourth level</a:t>
             </a:r>
           </a:p>
           <a:p>
             <a:pPr lvl="4"/>
             <a:r>
-              <a:rPr/>
               <a:t>Fifth level</a:t>
             </a:r>
           </a:p>
@@ -879,7 +874,7 @@
           </a:lstStyle>
           <a:p>
             <a:r>
-              <a:rPr lang="en-US" smtClean="0"/>
+              <a:rPr lang="en-US"/>
               <a:t>Click to edit Master title style</a:t>
             </a:r>
             <a:endParaRPr/>
@@ -1000,7 +995,7 @@
           </a:lstStyle>
           <a:p>
             <a:r>
-              <a:rPr lang="en-US" smtClean="0"/>
+              <a:rPr lang="en-US"/>
               <a:t>Click to edit Master subtitle style</a:t>
             </a:r>
             <a:endParaRPr dirty="0"/>
@@ -1046,7 +1041,7 @@
           <a:p>
             <a:fld id="{A7209051-6E81-43E8-9099-FF6A0C3DCFE8}" type="datetime1">
               <a:rPr lang="en-US"/>
-              <a:t>2021-12-19</a:t>
+              <a:t>23-Dec-2024</a:t>
             </a:fld>
             <a:endParaRPr/>
           </a:p>
@@ -1133,7 +1128,7 @@
           <a:lstStyle/>
           <a:p>
             <a:r>
-              <a:rPr lang="en-US" smtClean="0"/>
+              <a:rPr lang="en-US"/>
               <a:t>Click to edit Master title style</a:t>
             </a:r>
             <a:endParaRPr/>
@@ -1173,35 +1168,35 @@
           <a:p>
             <a:pPr lvl="0"/>
             <a:r>
-              <a:rPr lang="en-US" smtClean="0"/>
+              <a:rPr lang="en-US"/>
               <a:t>Edit Master text styles</a:t>
             </a:r>
           </a:p>
           <a:p>
             <a:pPr lvl="1"/>
             <a:r>
-              <a:rPr lang="en-US" smtClean="0"/>
+              <a:rPr lang="en-US"/>
               <a:t>Second level</a:t>
             </a:r>
           </a:p>
           <a:p>
             <a:pPr lvl="2"/>
             <a:r>
-              <a:rPr lang="en-US" smtClean="0"/>
+              <a:rPr lang="en-US"/>
               <a:t>Third level</a:t>
             </a:r>
           </a:p>
           <a:p>
             <a:pPr lvl="3"/>
             <a:r>
-              <a:rPr lang="en-US" smtClean="0"/>
+              <a:rPr lang="en-US"/>
               <a:t>Fourth level</a:t>
             </a:r>
           </a:p>
           <a:p>
             <a:pPr lvl="4"/>
             <a:r>
-              <a:rPr lang="en-US" smtClean="0"/>
+              <a:rPr lang="en-US"/>
               <a:t>Fifth level</a:t>
             </a:r>
             <a:endParaRPr/>
@@ -1247,7 +1242,7 @@
           <a:p>
             <a:fld id="{EDCEAB04-7709-4C1E-A61A-74684A0170FC}" type="datetime1">
               <a:rPr lang="en-US"/>
-              <a:t>2021-12-19</a:t>
+              <a:t>23-Dec-2024</a:t>
             </a:fld>
             <a:endParaRPr/>
           </a:p>
@@ -1678,7 +1673,7 @@
           <a:lstStyle/>
           <a:p>
             <a:r>
-              <a:rPr lang="en-US" smtClean="0"/>
+              <a:rPr lang="en-US"/>
               <a:t>Click to edit Master title style</a:t>
             </a:r>
             <a:endParaRPr/>
@@ -1723,35 +1718,35 @@
           <a:p>
             <a:pPr lvl="0"/>
             <a:r>
-              <a:rPr lang="en-US" smtClean="0"/>
+              <a:rPr lang="en-US"/>
               <a:t>Edit Master text styles</a:t>
             </a:r>
           </a:p>
           <a:p>
             <a:pPr lvl="1"/>
             <a:r>
-              <a:rPr lang="en-US" smtClean="0"/>
+              <a:rPr lang="en-US"/>
               <a:t>Second level</a:t>
             </a:r>
           </a:p>
           <a:p>
             <a:pPr lvl="2"/>
             <a:r>
-              <a:rPr lang="en-US" smtClean="0"/>
+              <a:rPr lang="en-US"/>
               <a:t>Third level</a:t>
             </a:r>
           </a:p>
           <a:p>
             <a:pPr lvl="3"/>
             <a:r>
-              <a:rPr lang="en-US" smtClean="0"/>
+              <a:rPr lang="en-US"/>
               <a:t>Fourth level</a:t>
             </a:r>
           </a:p>
           <a:p>
             <a:pPr lvl="4"/>
             <a:r>
-              <a:rPr lang="en-US" smtClean="0"/>
+              <a:rPr lang="en-US"/>
               <a:t>Fifth level</a:t>
             </a:r>
             <a:endParaRPr/>
@@ -1797,7 +1792,7 @@
           <a:p>
             <a:fld id="{0C79BD0D-E0B1-4CED-AC65-708AC79EB9CD}" type="datetime1">
               <a:rPr lang="en-US"/>
-              <a:t>2021-12-19</a:t>
+              <a:t>23-Dec-2024</a:t>
             </a:fld>
             <a:endParaRPr/>
           </a:p>
@@ -1884,7 +1879,7 @@
           <a:lstStyle/>
           <a:p>
             <a:r>
-              <a:rPr lang="en-US" smtClean="0"/>
+              <a:rPr lang="en-US"/>
               <a:t>Click to edit Master title style</a:t>
             </a:r>
             <a:endParaRPr/>
@@ -1924,35 +1919,35 @@
           <a:p>
             <a:pPr lvl="0"/>
             <a:r>
-              <a:rPr lang="en-US" smtClean="0"/>
+              <a:rPr lang="en-US"/>
               <a:t>Edit Master text styles</a:t>
             </a:r>
           </a:p>
           <a:p>
             <a:pPr lvl="1"/>
             <a:r>
-              <a:rPr lang="en-US" smtClean="0"/>
+              <a:rPr lang="en-US"/>
               <a:t>Second level</a:t>
             </a:r>
           </a:p>
           <a:p>
             <a:pPr lvl="2"/>
             <a:r>
-              <a:rPr lang="en-US" smtClean="0"/>
+              <a:rPr lang="en-US"/>
               <a:t>Third level</a:t>
             </a:r>
           </a:p>
           <a:p>
             <a:pPr lvl="3"/>
             <a:r>
-              <a:rPr lang="en-US" smtClean="0"/>
+              <a:rPr lang="en-US"/>
               <a:t>Fourth level</a:t>
             </a:r>
           </a:p>
           <a:p>
             <a:pPr lvl="4"/>
             <a:r>
-              <a:rPr lang="en-US" smtClean="0"/>
+              <a:rPr lang="en-US"/>
               <a:t>Fifth level</a:t>
             </a:r>
             <a:endParaRPr/>
@@ -1998,7 +1993,7 @@
           <a:p>
             <a:fld id="{0CC3EA6D-DF0B-4D4B-B359-5F1D1D0E30A4}" type="datetime1">
               <a:rPr lang="en-US"/>
-              <a:t>2021-12-19</a:t>
+              <a:t>23-Dec-2024</a:t>
             </a:fld>
             <a:endParaRPr/>
           </a:p>
@@ -2435,7 +2430,7 @@
           </a:lstStyle>
           <a:p>
             <a:r>
-              <a:rPr lang="en-US" smtClean="0"/>
+              <a:rPr lang="en-US"/>
               <a:t>Click to edit Master title style</a:t>
             </a:r>
             <a:endParaRPr/>
@@ -2557,7 +2552,7 @@
           <a:p>
             <a:pPr lvl="0"/>
             <a:r>
-              <a:rPr lang="en-US" smtClean="0"/>
+              <a:rPr lang="en-US"/>
               <a:t>Edit Master text styles</a:t>
             </a:r>
           </a:p>
@@ -2602,7 +2597,7 @@
           <a:p>
             <a:fld id="{977EDB99-15BC-4479-BAC5-1E502E66917A}" type="datetime1">
               <a:rPr lang="en-US"/>
-              <a:t>2021-12-19</a:t>
+              <a:t>23-Dec-2024</a:t>
             </a:fld>
             <a:endParaRPr/>
           </a:p>
@@ -2694,7 +2689,7 @@
           <a:lstStyle/>
           <a:p>
             <a:r>
-              <a:rPr lang="en-US" smtClean="0"/>
+              <a:rPr lang="en-US"/>
               <a:t>Click to edit Master title style</a:t>
             </a:r>
             <a:endParaRPr/>
@@ -2753,35 +2748,35 @@
           <a:p>
             <a:pPr lvl="0"/>
             <a:r>
-              <a:rPr lang="en-US" smtClean="0"/>
+              <a:rPr lang="en-US"/>
               <a:t>Edit Master text styles</a:t>
             </a:r>
           </a:p>
           <a:p>
             <a:pPr lvl="1"/>
             <a:r>
-              <a:rPr lang="en-US" smtClean="0"/>
+              <a:rPr lang="en-US"/>
               <a:t>Second level</a:t>
             </a:r>
           </a:p>
           <a:p>
             <a:pPr lvl="2"/>
             <a:r>
-              <a:rPr lang="en-US" smtClean="0"/>
+              <a:rPr lang="en-US"/>
               <a:t>Third level</a:t>
             </a:r>
           </a:p>
           <a:p>
             <a:pPr lvl="3"/>
             <a:r>
-              <a:rPr lang="en-US" smtClean="0"/>
+              <a:rPr lang="en-US"/>
               <a:t>Fourth level</a:t>
             </a:r>
           </a:p>
           <a:p>
             <a:pPr lvl="4"/>
             <a:r>
-              <a:rPr lang="en-US" smtClean="0"/>
+              <a:rPr lang="en-US"/>
               <a:t>Fifth level</a:t>
             </a:r>
             <a:endParaRPr/>
@@ -2840,35 +2835,35 @@
           <a:p>
             <a:pPr lvl="0"/>
             <a:r>
-              <a:rPr lang="en-US" smtClean="0"/>
+              <a:rPr lang="en-US"/>
               <a:t>Edit Master text styles</a:t>
             </a:r>
           </a:p>
           <a:p>
             <a:pPr lvl="1"/>
             <a:r>
-              <a:rPr lang="en-US" smtClean="0"/>
+              <a:rPr lang="en-US"/>
               <a:t>Second level</a:t>
             </a:r>
           </a:p>
           <a:p>
             <a:pPr lvl="2"/>
             <a:r>
-              <a:rPr lang="en-US" smtClean="0"/>
+              <a:rPr lang="en-US"/>
               <a:t>Third level</a:t>
             </a:r>
           </a:p>
           <a:p>
             <a:pPr lvl="3"/>
             <a:r>
-              <a:rPr lang="en-US" smtClean="0"/>
+              <a:rPr lang="en-US"/>
               <a:t>Fourth level</a:t>
             </a:r>
           </a:p>
           <a:p>
             <a:pPr lvl="4"/>
             <a:r>
-              <a:rPr lang="en-US" smtClean="0"/>
+              <a:rPr lang="en-US"/>
               <a:t>Fifth level</a:t>
             </a:r>
             <a:endParaRPr/>
@@ -2914,7 +2909,7 @@
           <a:p>
             <a:fld id="{4067C2A3-CD19-48AB-9F64-ECCF75182EDD}" type="datetime1">
               <a:rPr lang="en-US"/>
-              <a:t>2021-12-19</a:t>
+              <a:t>23-Dec-2024</a:t>
             </a:fld>
             <a:endParaRPr/>
           </a:p>
@@ -3010,7 +3005,7 @@
           </a:lstStyle>
           <a:p>
             <a:r>
-              <a:rPr lang="en-US" smtClean="0"/>
+              <a:rPr lang="en-US"/>
               <a:t>Click to edit Master title style</a:t>
             </a:r>
             <a:endParaRPr/>
@@ -3084,7 +3079,7 @@
           <a:p>
             <a:pPr lvl="0"/>
             <a:r>
-              <a:rPr lang="en-US" smtClean="0"/>
+              <a:rPr lang="en-US"/>
               <a:t>Edit Master text styles</a:t>
             </a:r>
           </a:p>
@@ -3142,35 +3137,35 @@
           <a:p>
             <a:pPr lvl="0"/>
             <a:r>
-              <a:rPr lang="en-US" smtClean="0"/>
+              <a:rPr lang="en-US"/>
               <a:t>Edit Master text styles</a:t>
             </a:r>
           </a:p>
           <a:p>
             <a:pPr lvl="1"/>
             <a:r>
-              <a:rPr lang="en-US" smtClean="0"/>
+              <a:rPr lang="en-US"/>
               <a:t>Second level</a:t>
             </a:r>
           </a:p>
           <a:p>
             <a:pPr lvl="2"/>
             <a:r>
-              <a:rPr lang="en-US" smtClean="0"/>
+              <a:rPr lang="en-US"/>
               <a:t>Third level</a:t>
             </a:r>
           </a:p>
           <a:p>
             <a:pPr lvl="3"/>
             <a:r>
-              <a:rPr lang="en-US" smtClean="0"/>
+              <a:rPr lang="en-US"/>
               <a:t>Fourth level</a:t>
             </a:r>
           </a:p>
           <a:p>
             <a:pPr lvl="4"/>
             <a:r>
-              <a:rPr lang="en-US" smtClean="0"/>
+              <a:rPr lang="en-US"/>
               <a:t>Fifth level</a:t>
             </a:r>
             <a:endParaRPr/>
@@ -3244,7 +3239,7 @@
           <a:p>
             <a:pPr lvl="0"/>
             <a:r>
-              <a:rPr lang="en-US" smtClean="0"/>
+              <a:rPr lang="en-US"/>
               <a:t>Edit Master text styles</a:t>
             </a:r>
           </a:p>
@@ -3302,35 +3297,35 @@
           <a:p>
             <a:pPr lvl="0"/>
             <a:r>
-              <a:rPr lang="en-US" smtClean="0"/>
+              <a:rPr lang="en-US"/>
               <a:t>Edit Master text styles</a:t>
             </a:r>
           </a:p>
           <a:p>
             <a:pPr lvl="1"/>
             <a:r>
-              <a:rPr lang="en-US" smtClean="0"/>
+              <a:rPr lang="en-US"/>
               <a:t>Second level</a:t>
             </a:r>
           </a:p>
           <a:p>
             <a:pPr lvl="2"/>
             <a:r>
-              <a:rPr lang="en-US" smtClean="0"/>
+              <a:rPr lang="en-US"/>
               <a:t>Third level</a:t>
             </a:r>
           </a:p>
           <a:p>
             <a:pPr lvl="3"/>
             <a:r>
-              <a:rPr lang="en-US" smtClean="0"/>
+              <a:rPr lang="en-US"/>
               <a:t>Fourth level</a:t>
             </a:r>
           </a:p>
           <a:p>
             <a:pPr lvl="4"/>
             <a:r>
-              <a:rPr lang="en-US" smtClean="0"/>
+              <a:rPr lang="en-US"/>
               <a:t>Fifth level</a:t>
             </a:r>
             <a:endParaRPr/>
@@ -3376,7 +3371,7 @@
           <a:p>
             <a:fld id="{0363E8C1-7C87-4705-AB97-8CD17D208E3F}" type="datetime1">
               <a:rPr lang="en-US"/>
-              <a:t>2021-12-19</a:t>
+              <a:t>23-Dec-2024</a:t>
             </a:fld>
             <a:endParaRPr/>
           </a:p>
@@ -3463,7 +3458,7 @@
           <a:lstStyle/>
           <a:p>
             <a:r>
-              <a:rPr lang="en-US" smtClean="0"/>
+              <a:rPr lang="en-US"/>
               <a:t>Click to edit Master title style</a:t>
             </a:r>
             <a:endParaRPr/>
@@ -3509,7 +3504,7 @@
           <a:p>
             <a:fld id="{E20C624E-DF92-4841-B9B9-DD11AA239B85}" type="datetime1">
               <a:rPr lang="en-US"/>
-              <a:t>2021-12-19</a:t>
+              <a:t>23-Dec-2024</a:t>
             </a:fld>
             <a:endParaRPr/>
           </a:p>
@@ -3802,7 +3797,7 @@
           <a:p>
             <a:fld id="{FBDA3AE1-4360-4D5B-BDBC-656B872DD533}" type="datetime1">
               <a:rPr lang="en-US"/>
-              <a:t>2021-12-19</a:t>
+              <a:t>23-Dec-2024</a:t>
             </a:fld>
             <a:endParaRPr/>
           </a:p>
@@ -3895,7 +3890,7 @@
           </a:lstStyle>
           <a:p>
             <a:r>
-              <a:rPr lang="en-US" smtClean="0"/>
+              <a:rPr lang="en-US"/>
               <a:t>Click to edit Master title style</a:t>
             </a:r>
             <a:endParaRPr/>
@@ -3954,35 +3949,35 @@
           <a:p>
             <a:pPr lvl="0"/>
             <a:r>
-              <a:rPr lang="en-US" smtClean="0"/>
+              <a:rPr lang="en-US"/>
               <a:t>Edit Master text styles</a:t>
             </a:r>
           </a:p>
           <a:p>
             <a:pPr lvl="1"/>
             <a:r>
-              <a:rPr lang="en-US" smtClean="0"/>
+              <a:rPr lang="en-US"/>
               <a:t>Second level</a:t>
             </a:r>
           </a:p>
           <a:p>
             <a:pPr lvl="2"/>
             <a:r>
-              <a:rPr lang="en-US" smtClean="0"/>
+              <a:rPr lang="en-US"/>
               <a:t>Third level</a:t>
             </a:r>
           </a:p>
           <a:p>
             <a:pPr lvl="3"/>
             <a:r>
-              <a:rPr lang="en-US" smtClean="0"/>
+              <a:rPr lang="en-US"/>
               <a:t>Fourth level</a:t>
             </a:r>
           </a:p>
           <a:p>
             <a:pPr lvl="4"/>
             <a:r>
-              <a:rPr lang="en-US" smtClean="0"/>
+              <a:rPr lang="en-US"/>
               <a:t>Fifth level</a:t>
             </a:r>
             <a:endParaRPr/>
@@ -4056,7 +4051,7 @@
           <a:p>
             <a:pPr lvl="0"/>
             <a:r>
-              <a:rPr lang="en-US" smtClean="0"/>
+              <a:rPr lang="en-US"/>
               <a:t>Edit Master text styles</a:t>
             </a:r>
           </a:p>
@@ -4101,7 +4096,7 @@
           <a:p>
             <a:fld id="{20990708-46A4-4851-883E-8DFB8939107E}" type="datetime1">
               <a:rPr lang="en-US"/>
-              <a:t>2021-12-19</a:t>
+              <a:t>23-Dec-2024</a:t>
             </a:fld>
             <a:endParaRPr/>
           </a:p>
@@ -4194,7 +4189,7 @@
           </a:lstStyle>
           <a:p>
             <a:r>
-              <a:rPr lang="en-US" smtClean="0"/>
+              <a:rPr lang="en-US"/>
               <a:t>Click to edit Master title style</a:t>
             </a:r>
             <a:endParaRPr/>
@@ -4266,7 +4261,7 @@
           </a:lstStyle>
           <a:p>
             <a:r>
-              <a:rPr lang="en-US" smtClean="0"/>
+              <a:rPr lang="en-US"/>
               <a:t>Click icon to add picture</a:t>
             </a:r>
             <a:endParaRPr/>
@@ -4340,7 +4335,7 @@
           <a:p>
             <a:pPr lvl="0"/>
             <a:r>
-              <a:rPr lang="en-US" smtClean="0"/>
+              <a:rPr lang="en-US"/>
               <a:t>Edit Master text styles</a:t>
             </a:r>
           </a:p>
@@ -4385,7 +4380,7 @@
           <a:p>
             <a:fld id="{AE88EFFC-86AE-4294-A319-CAFC2651994B}" type="datetime1">
               <a:rPr lang="en-US"/>
-              <a:t>2021-12-19</a:t>
+              <a:t>23-Dec-2024</a:t>
             </a:fld>
             <a:endParaRPr/>
           </a:p>
@@ -4826,7 +4821,7 @@
           <a:lstStyle/>
           <a:p>
             <a:r>
-              <a:rPr lang="en-US" smtClean="0"/>
+              <a:rPr lang="en-US"/>
               <a:t>Click to edit Master title style</a:t>
             </a:r>
             <a:endParaRPr/>
@@ -4860,35 +4855,35 @@
           <a:p>
             <a:pPr lvl="0"/>
             <a:r>
-              <a:rPr lang="en-US" smtClean="0"/>
+              <a:rPr lang="en-US"/>
               <a:t>Edit Master text styles</a:t>
             </a:r>
           </a:p>
           <a:p>
             <a:pPr lvl="1"/>
             <a:r>
-              <a:rPr lang="en-US" smtClean="0"/>
+              <a:rPr lang="en-US"/>
               <a:t>Second level</a:t>
             </a:r>
           </a:p>
           <a:p>
             <a:pPr lvl="2"/>
             <a:r>
-              <a:rPr lang="en-US" smtClean="0"/>
+              <a:rPr lang="en-US"/>
               <a:t>Third level</a:t>
             </a:r>
           </a:p>
           <a:p>
             <a:pPr lvl="3"/>
             <a:r>
-              <a:rPr lang="en-US" smtClean="0"/>
+              <a:rPr lang="en-US"/>
               <a:t>Fourth level</a:t>
             </a:r>
           </a:p>
           <a:p>
             <a:pPr lvl="4"/>
             <a:r>
-              <a:rPr lang="en-US" smtClean="0"/>
+              <a:rPr lang="en-US"/>
               <a:t>Fifth level</a:t>
             </a:r>
             <a:endParaRPr dirty="0"/>
@@ -4967,7 +4962,7 @@
             <a:fld id="{D29E8617-6EA8-4B97-A5E8-E18E98765EE2}" type="datetime1">
               <a:rPr lang="en-US"/>
               <a:pPr/>
-              <a:t>2021-12-19</a:t>
+              <a:t>23-Dec-2024</a:t>
             </a:fld>
             <a:endParaRPr dirty="0"/>
           </a:p>
@@ -5361,7 +5356,7 @@
       </a:lvl9pPr>
     </p:otherStyle>
   </p:txStyles>
-  <p:extLst mod="1">
+  <p:extLst>
     <p:ext uri="{27BBF7A9-308A-43DC-89C8-2F10F3537804}">
       <p15:sldGuideLst xmlns:p15="http://schemas.microsoft.com/office/powerpoint/2012/main">
         <p15:guide id="1" orient="horz" pos="2160" userDrawn="1">
@@ -5444,10 +5439,9 @@
           <a:lstStyle/>
           <a:p>
             <a:r>
-              <a:rPr lang="en-IN" b="1" dirty="0" smtClean="0"/>
+              <a:rPr lang="en-IN" b="1" dirty="0"/>
               <a:t>Database </a:t>
             </a:r>
-            <a:endParaRPr lang="en-IN" b="1" dirty="0"/>
           </a:p>
         </p:txBody>
       </p:sp>
@@ -5499,7 +5493,7 @@
                     <a:p>
                       <a:pPr algn="ctr"/>
                       <a:r>
-                        <a:rPr lang="en-US" sz="2400" dirty="0" smtClean="0">
+                        <a:rPr lang="en-US" sz="2400" dirty="0">
                           <a:solidFill>
                             <a:schemeClr val="tx1"/>
                           </a:solidFill>
@@ -5508,13 +5502,6 @@
                         </a:rPr>
                         <a:t>Database</a:t>
                       </a:r>
-                      <a:endParaRPr lang="en-US" sz="2400" dirty="0">
-                        <a:solidFill>
-                          <a:schemeClr val="tx1"/>
-                        </a:solidFill>
-                        <a:latin typeface="Verdana" panose="020B0604030504040204" pitchFamily="34" charset="0"/>
-                        <a:ea typeface="Verdana" panose="020B0604030504040204" pitchFamily="34" charset="0"/>
-                      </a:endParaRPr>
                     </a:p>
                   </a:txBody>
                   <a:tcPr anchor="ctr"/>
@@ -5559,7 +5546,7 @@
                         <a:defRPr/>
                       </a:pPr>
                       <a:r>
-                        <a:rPr lang="en-US" sz="2400" kern="1200" dirty="0" smtClean="0">
+                        <a:rPr lang="en-US" sz="2400" kern="1200" dirty="0">
                           <a:solidFill>
                             <a:schemeClr val="dk1"/>
                           </a:solidFill>
@@ -5569,14 +5556,6 @@
                         </a:rPr>
                         <a:t>MySQL Database Datatypes</a:t>
                       </a:r>
-                      <a:endParaRPr lang="en-US" sz="2400" kern="1200" dirty="0">
-                        <a:solidFill>
-                          <a:schemeClr val="dk1"/>
-                        </a:solidFill>
-                        <a:latin typeface="+mn-lt"/>
-                        <a:ea typeface="+mn-ea"/>
-                        <a:cs typeface="+mn-cs"/>
-                      </a:endParaRPr>
                     </a:p>
                   </a:txBody>
                   <a:tcPr anchor="ctr"/>
@@ -5604,7 +5583,7 @@
                         <a:defRPr/>
                       </a:pPr>
                       <a:r>
-                        <a:rPr lang="en-US" sz="2400" kern="1200" dirty="0" smtClean="0">
+                        <a:rPr lang="en-US" sz="2400" kern="1200" dirty="0">
                           <a:solidFill>
                             <a:schemeClr val="dk1"/>
                           </a:solidFill>
@@ -5614,14 +5593,6 @@
                         </a:rPr>
                         <a:t>DDL: Data Definition Language</a:t>
                       </a:r>
-                      <a:endParaRPr lang="en-US" sz="2400" kern="1200" dirty="0" smtClean="0">
-                        <a:solidFill>
-                          <a:schemeClr val="dk1"/>
-                        </a:solidFill>
-                        <a:latin typeface="+mn-lt"/>
-                        <a:ea typeface="+mn-ea"/>
-                        <a:cs typeface="+mn-cs"/>
-                      </a:endParaRPr>
                     </a:p>
                   </a:txBody>
                   <a:tcPr anchor="ctr"/>
@@ -5656,7 +5627,7 @@
                         <a:defRPr/>
                       </a:pPr>
                       <a:r>
-                        <a:rPr lang="en-IN" sz="2400" kern="1200" dirty="0" smtClean="0">
+                        <a:rPr lang="en-IN" sz="2400" kern="1200" dirty="0">
                           <a:solidFill>
                             <a:schemeClr val="dk1"/>
                           </a:solidFill>
@@ -5666,14 +5637,6 @@
                         </a:rPr>
                         <a:t>DML: Data Manipulation Language</a:t>
                       </a:r>
-                      <a:endParaRPr lang="en-IN" sz="2400" kern="1200" dirty="0">
-                        <a:solidFill>
-                          <a:schemeClr val="dk1"/>
-                        </a:solidFill>
-                        <a:latin typeface="+mn-lt"/>
-                        <a:ea typeface="+mn-ea"/>
-                        <a:cs typeface="+mn-cs"/>
-                      </a:endParaRPr>
                     </a:p>
                   </a:txBody>
                   <a:tcPr anchor="ctr"/>
@@ -5701,7 +5664,7 @@
                         <a:defRPr/>
                       </a:pPr>
                       <a:r>
-                        <a:rPr lang="en-IN" sz="2400" kern="1200" dirty="0" smtClean="0">
+                        <a:rPr lang="en-IN" sz="2400" kern="1200" dirty="0">
                           <a:solidFill>
                             <a:schemeClr val="dk1"/>
                           </a:solidFill>
@@ -5711,14 +5674,6 @@
                         </a:rPr>
                         <a:t>TCL: Transaction Control Language</a:t>
                       </a:r>
-                      <a:endParaRPr lang="en-IN" sz="2400" kern="1200" dirty="0">
-                        <a:solidFill>
-                          <a:schemeClr val="dk1"/>
-                        </a:solidFill>
-                        <a:latin typeface="+mn-lt"/>
-                        <a:ea typeface="+mn-ea"/>
-                        <a:cs typeface="+mn-cs"/>
-                      </a:endParaRPr>
                     </a:p>
                   </a:txBody>
                   <a:tcPr anchor="ctr"/>
@@ -5753,7 +5708,7 @@
                         <a:defRPr/>
                       </a:pPr>
                       <a:r>
-                        <a:rPr lang="en-US" sz="2400" kern="1200" dirty="0" smtClean="0">
+                        <a:rPr lang="en-US" sz="2400" kern="1200" dirty="0">
                           <a:solidFill>
                             <a:schemeClr val="dk1"/>
                           </a:solidFill>
@@ -5763,14 +5718,6 @@
                         </a:rPr>
                         <a:t>DCL: Data Control Language</a:t>
                       </a:r>
-                      <a:endParaRPr lang="en-US" sz="2400" kern="1200" dirty="0" smtClean="0">
-                        <a:solidFill>
-                          <a:schemeClr val="dk1"/>
-                        </a:solidFill>
-                        <a:latin typeface="+mn-lt"/>
-                        <a:ea typeface="+mn-ea"/>
-                        <a:cs typeface="+mn-cs"/>
-                      </a:endParaRPr>
                     </a:p>
                   </a:txBody>
                   <a:tcPr anchor="ctr"/>
@@ -5798,7 +5745,7 @@
                         <a:defRPr/>
                       </a:pPr>
                       <a:r>
-                        <a:rPr lang="en-US" sz="2400" kern="1200" dirty="0" smtClean="0">
+                        <a:rPr lang="en-US" sz="2400" kern="1200" dirty="0">
                           <a:solidFill>
                             <a:schemeClr val="dk1"/>
                           </a:solidFill>
@@ -5808,14 +5755,6 @@
                         </a:rPr>
                         <a:t>DQL: Data Query Language</a:t>
                       </a:r>
-                      <a:endParaRPr lang="en-US" sz="2400" kern="1200" dirty="0" smtClean="0">
-                        <a:solidFill>
-                          <a:schemeClr val="dk1"/>
-                        </a:solidFill>
-                        <a:latin typeface="+mn-lt"/>
-                        <a:ea typeface="+mn-ea"/>
-                        <a:cs typeface="+mn-cs"/>
-                      </a:endParaRPr>
                     </a:p>
                   </a:txBody>
                   <a:tcPr anchor="ctr"/>
@@ -5850,7 +5789,7 @@
                         <a:defRPr/>
                       </a:pPr>
                       <a:r>
-                        <a:rPr lang="en-US" sz="2400" kern="1200" dirty="0" smtClean="0">
+                        <a:rPr lang="en-US" sz="2400" kern="1200" dirty="0">
                           <a:solidFill>
                             <a:schemeClr val="dk1"/>
                           </a:solidFill>
@@ -5860,14 +5799,6 @@
                         </a:rPr>
                         <a:t>MySQL Connectors</a:t>
                       </a:r>
-                      <a:endParaRPr lang="en-US" sz="2400" kern="1200" dirty="0">
-                        <a:solidFill>
-                          <a:schemeClr val="dk1"/>
-                        </a:solidFill>
-                        <a:latin typeface="+mn-lt"/>
-                        <a:ea typeface="+mn-ea"/>
-                        <a:cs typeface="+mn-cs"/>
-                      </a:endParaRPr>
                     </a:p>
                   </a:txBody>
                   <a:tcPr anchor="ctr"/>
@@ -5951,27 +5882,8 @@
                 <a:ea typeface="Microsoft YaHei" panose="020B0503020204020204" pitchFamily="34" charset="-122"/>
                 <a:sym typeface="Arial" panose="020B0604020202020204" pitchFamily="34" charset="0"/>
               </a:rPr>
-              <a:t>What you </a:t>
-            </a:r>
-            <a:r>
-              <a:rPr lang="en-US" altLang="zh-CN" sz="2800" b="1" dirty="0" smtClean="0">
-                <a:solidFill>
-                  <a:srgbClr val="262626"/>
-                </a:solidFill>
-                <a:latin typeface="Arial" panose="020B0604020202020204" pitchFamily="34" charset="0"/>
-                <a:ea typeface="Microsoft YaHei" panose="020B0503020204020204" pitchFamily="34" charset="-122"/>
-                <a:sym typeface="Arial" panose="020B0604020202020204" pitchFamily="34" charset="0"/>
-              </a:rPr>
-              <a:t>learn ? </a:t>
-            </a:r>
-            <a:endParaRPr lang="en-US" altLang="zh-CN" sz="2800" b="1" dirty="0">
-              <a:solidFill>
-                <a:srgbClr val="262626"/>
-              </a:solidFill>
-              <a:latin typeface="Arial" panose="020B0604020202020204" pitchFamily="34" charset="0"/>
-              <a:ea typeface="Microsoft YaHei" panose="020B0503020204020204" pitchFamily="34" charset="-122"/>
-              <a:sym typeface="Arial" panose="020B0604020202020204" pitchFamily="34" charset="0"/>
-            </a:endParaRPr>
+              <a:t>What you learn ? </a:t>
+            </a:r>
           </a:p>
         </p:txBody>
       </p:sp>
@@ -5997,13 +5909,6 @@
       </p:transition>
     </mc:Fallback>
   </mc:AlternateContent>
-  <p:timing>
-    <p:tnLst>
-      <p:par>
-        <p:cTn id="1" dur="indefinite" restart="never" nodeType="tmRoot"/>
-      </p:par>
-    </p:tnLst>
-  </p:timing>
 </p:sld>
 </file>
 
@@ -6065,7 +5970,7 @@
               <a:t> data types in several categories</a:t>
             </a:r>
             <a:r>
-              <a:rPr lang="en-IN" dirty="0" smtClean="0"/>
+              <a:rPr lang="en-IN" dirty="0"/>
               <a:t>:</a:t>
             </a:r>
           </a:p>
@@ -6075,17 +5980,8 @@
             </a:pPr>
             <a:r>
               <a:rPr lang="en-IN" dirty="0"/>
-              <a:t>signed/unsigned </a:t>
-            </a:r>
-            <a:r>
-              <a:rPr lang="en-IN" dirty="0" smtClean="0"/>
-              <a:t>INTEGER,FLOAT</a:t>
-            </a:r>
-            <a:r>
-              <a:rPr lang="en-IN" dirty="0"/>
-              <a:t>, DOUBLE, CHAR, VARCHAR, BINARY, VARBINARY, TEXT, BLOB, DATE, TIME, DATETIME, TIMESTAMP, YEAR, SET, ENUM</a:t>
-            </a:r>
-            <a:endParaRPr lang="en-IN" dirty="0"/>
+              <a:t>signed/unsigned INTEGER,FLOAT, DOUBLE, CHAR, VARCHAR, BINARY, VARBINARY, TEXT, BLOB, DATE, TIME, DATETIME, TIMESTAMP, YEAR, SET, ENUM</a:t>
+            </a:r>
           </a:p>
         </p:txBody>
       </p:sp>
@@ -6119,26 +6015,13 @@
               </a:spcBef>
             </a:pPr>
             <a:r>
-              <a:rPr lang="en-US" sz="6000" b="1" dirty="0" smtClean="0">
-                <a:latin typeface="+mj-lt"/>
-                <a:ea typeface="+mj-ea"/>
-                <a:cs typeface="+mj-cs"/>
-              </a:rPr>
-              <a:t>MySQL </a:t>
-            </a:r>
-            <a:r>
               <a:rPr lang="en-US" sz="6000" b="1" dirty="0">
                 <a:latin typeface="+mj-lt"/>
                 <a:ea typeface="+mj-ea"/>
                 <a:cs typeface="+mj-cs"/>
               </a:rPr>
-              <a:t>Datatypes</a:t>
-            </a:r>
-            <a:endParaRPr lang="en-US" sz="6000" b="1" dirty="0">
-              <a:latin typeface="+mj-lt"/>
-              <a:ea typeface="+mj-ea"/>
-              <a:cs typeface="+mj-cs"/>
-            </a:endParaRPr>
+              <a:t>MySQL Datatypes</a:t>
+            </a:r>
           </a:p>
         </p:txBody>
       </p:sp>
@@ -6180,17 +6063,8 @@
             </a:pPr>
             <a:r>
               <a:rPr lang="en-IN" sz="2800" dirty="0"/>
-              <a:t>In SQL Server, each column, local variable, expression, and parameter has a related data type. </a:t>
-            </a:r>
-            <a:r>
-              <a:rPr lang="en-IN" sz="2800" dirty="0"/>
-              <a:t>A data type is an attribute that specifies the type of data that the object can </a:t>
-            </a:r>
-            <a:r>
-              <a:rPr lang="en-IN" sz="2800" dirty="0" smtClean="0"/>
-              <a:t>hold.</a:t>
-            </a:r>
-            <a:endParaRPr lang="en-IN" sz="2800" dirty="0"/>
+              <a:t>In SQL Server, each column, local variable, expression, and parameter has a related data type. A data type is an attribute that specifies the type of data that the object can hold.</a:t>
+            </a:r>
           </a:p>
         </p:txBody>
       </p:sp>
@@ -6265,13 +6139,6 @@
       </p:transition>
     </mc:Fallback>
   </mc:AlternateContent>
-  <p:timing>
-    <p:tnLst>
-      <p:par>
-        <p:cTn id="1" dur="indefinite" restart="never" nodeType="tmRoot"/>
-      </p:par>
-    </p:tnLst>
-  </p:timing>
 </p:sld>
 </file>
 
@@ -6319,13 +6186,8 @@
             </a:pPr>
             <a:r>
               <a:rPr lang="en-IN" sz="4400" b="1" dirty="0"/>
-              <a:t>SQL Data Types important </a:t>
-            </a:r>
-            <a:r>
-              <a:rPr lang="en-IN" sz="4400" b="1" dirty="0" smtClean="0"/>
-              <a:t>points</a:t>
-            </a:r>
-            <a:endParaRPr lang="en-IN" sz="4400" b="1" dirty="0"/>
+              <a:t>SQL Data Types important points</a:t>
+            </a:r>
           </a:p>
         </p:txBody>
       </p:sp>
@@ -6352,16 +6214,8 @@
           <a:lstStyle/>
           <a:p>
             <a:r>
-              <a:rPr lang="en-IN" dirty="0" smtClean="0"/>
-              <a:t>Not </a:t>
-            </a:r>
-            <a:r>
               <a:rPr lang="en-IN" dirty="0"/>
-              <a:t>all data types are supported by every relational database vendor. </a:t>
-            </a:r>
-            <a:r>
-              <a:rPr lang="en-IN" dirty="0"/>
-              <a:t>For example, Oracle database doesn’t support DATETIME and MySQL doesn’t support CLOB data type. So while designing database schema and writing SQL queries, make sure to check if the data types are supported or not.</a:t>
+              <a:t>Not all data types are supported by every relational database vendor. For example, Oracle database doesn’t support DATETIME and MySQL doesn’t support CLOB data type. So while designing database schema and writing SQL queries, make sure to check if the data types are supported or not.</a:t>
             </a:r>
           </a:p>
           <a:p>
@@ -6375,30 +6229,13 @@
             </a:r>
             <a:r>
               <a:rPr lang="en-IN" dirty="0"/>
-              <a:t> data types but since it’s not supported by other popular database </a:t>
-            </a:r>
-            <a:r>
-              <a:rPr lang="en-IN" dirty="0" smtClean="0"/>
-              <a:t>vendors</a:t>
-            </a:r>
+              <a:t> data types but since it’s not supported by other popular database vendors.</a:t>
+            </a:r>
+          </a:p>
+          <a:p>
             <a:r>
               <a:rPr lang="en-IN" dirty="0"/>
-              <a:t>.</a:t>
-            </a:r>
-            <a:endParaRPr lang="en-IN" dirty="0" smtClean="0"/>
-          </a:p>
-          <a:p>
-            <a:r>
-              <a:rPr lang="en-IN" dirty="0" smtClean="0"/>
-              <a:t>Every </a:t>
-            </a:r>
-            <a:r>
-              <a:rPr lang="en-IN" dirty="0"/>
-              <a:t>relational database vendor has its own maximum size limit for different data types, you don’t need to remember the limit. </a:t>
-            </a:r>
-            <a:r>
-              <a:rPr lang="en-IN" dirty="0"/>
-              <a:t>Idea is to have the knowledge of what data type to be used in a specific scenario</a:t>
+              <a:t>Every relational database vendor has its own maximum size limit for different data types, you don’t need to remember the limit. Idea is to have the knowledge of what data type to be used in a specific scenario</a:t>
             </a:r>
           </a:p>
         </p:txBody>
@@ -6425,13 +6262,6 @@
       </p:transition>
     </mc:Fallback>
   </mc:AlternateContent>
-  <p:timing>
-    <p:tnLst>
-      <p:par>
-        <p:cTn id="1" dur="indefinite" restart="never" nodeType="tmRoot"/>
-      </p:par>
-    </p:tnLst>
-  </p:timing>
 </p:sld>
 </file>
 
@@ -6494,11 +6324,6 @@
               </a:rPr>
               <a:t>SQL Command</a:t>
             </a:r>
-            <a:endParaRPr lang="en-IN" sz="6000" b="1" dirty="0">
-              <a:latin typeface="+mj-lt"/>
-              <a:ea typeface="+mj-ea"/>
-              <a:cs typeface="+mj-cs"/>
-            </a:endParaRPr>
           </a:p>
         </p:txBody>
       </p:sp>
@@ -6530,11 +6355,7 @@
             </a:pPr>
             <a:r>
               <a:rPr lang="en-IN" b="1" i="1" dirty="0"/>
-              <a:t>SQL defines following ways to manipulate data stored in an RDBMS</a:t>
-            </a:r>
-            <a:r>
-              <a:rPr lang="en-IN" b="1" i="1" dirty="0" smtClean="0"/>
-              <a:t>.</a:t>
+              <a:t>SQL defines following ways to manipulate data stored in an RDBMS.</a:t>
             </a:r>
           </a:p>
           <a:p>
@@ -6614,13 +6435,6 @@
       </p:transition>
     </mc:Fallback>
   </mc:AlternateContent>
-  <p:timing>
-    <p:tnLst>
-      <p:par>
-        <p:cTn id="1" dur="indefinite" restart="never" nodeType="tmRoot"/>
-      </p:par>
-    </p:tnLst>
-  </p:timing>
 </p:sld>
 </file>
 
@@ -6678,11 +6492,6 @@
               </a:rPr>
               <a:t>MySQL Connectors</a:t>
             </a:r>
-            <a:endParaRPr lang="en-US" sz="6000" b="1" dirty="0">
-              <a:latin typeface="+mj-lt"/>
-              <a:ea typeface="+mj-ea"/>
-              <a:cs typeface="+mj-cs"/>
-            </a:endParaRPr>
           </a:p>
         </p:txBody>
       </p:sp>
@@ -6714,15 +6523,7 @@
             </a:pPr>
             <a:r>
               <a:rPr lang="en-IN" b="1" i="1" dirty="0"/>
-              <a:t>MySQL provides standards-based drivers for JDBC, </a:t>
-            </a:r>
-            <a:r>
-              <a:rPr lang="en-IN" b="1" i="1" dirty="0" smtClean="0"/>
-              <a:t>ODBC, Python </a:t>
-            </a:r>
-            <a:r>
-              <a:rPr lang="en-IN" b="1" i="1" dirty="0"/>
-              <a:t>and </a:t>
+              <a:t>MySQL provides standards-based drivers for JDBC, ODBC, Python and </a:t>
             </a:r>
             <a:r>
               <a:rPr lang="en-IN" b="1" i="1" dirty="0" err="1"/>
@@ -6730,11 +6531,7 @@
             </a:r>
             <a:r>
               <a:rPr lang="en-IN" b="1" i="1" dirty="0"/>
-              <a:t> enabling developers to build database applications in their language of choice</a:t>
-            </a:r>
-            <a:r>
-              <a:rPr lang="en-IN" b="1" i="1" dirty="0" smtClean="0"/>
-              <a:t>.</a:t>
+              <a:t> enabling developers to build database applications in their language of choice.</a:t>
             </a:r>
           </a:p>
           <a:p>
@@ -6748,11 +6545,7 @@
             </a:r>
             <a:r>
               <a:rPr lang="en-IN" b="1" dirty="0"/>
-              <a:t>a software that connects an application to </a:t>
-            </a:r>
-            <a:r>
-              <a:rPr lang="en-IN" b="1" dirty="0" smtClean="0"/>
-              <a:t>database.</a:t>
+              <a:t>a software that connects an application to database.</a:t>
             </a:r>
           </a:p>
           <a:p>
@@ -6761,10 +6554,10 @@
               <a:buChar char="Ø"/>
             </a:pPr>
             <a:r>
-              <a:rPr lang="en-US" b="1" i="1" dirty="0" smtClean="0"/>
+              <a:rPr lang="en-US" b="1" i="1" dirty="0"/>
               <a:t>Database Vendors provides official database connector</a:t>
             </a:r>
-            <a:endParaRPr lang="en-IN" b="1" i="1" dirty="0" smtClean="0"/>
+            <a:endParaRPr lang="en-IN" b="1" i="1" dirty="0"/>
           </a:p>
           <a:p>
             <a:endParaRPr lang="en-IN" dirty="0"/>
@@ -6842,13 +6635,6 @@
       </p:transition>
     </mc:Fallback>
   </mc:AlternateContent>
-  <p:timing>
-    <p:tnLst>
-      <p:par>
-        <p:cTn id="1" dur="indefinite" restart="never" nodeType="tmRoot"/>
-      </p:par>
-    </p:tnLst>
-  </p:timing>
 </p:sld>
 </file>
 
@@ -6890,10 +6676,9 @@
           <a:lstStyle/>
           <a:p>
             <a:r>
-              <a:rPr lang="en-US" dirty="0" smtClean="0"/>
+              <a:rPr lang="en-US" dirty="0"/>
               <a:t>Thanks</a:t>
             </a:r>
-            <a:endParaRPr lang="en-US" dirty="0"/>
           </a:p>
         </p:txBody>
       </p:sp>
@@ -6968,13 +6753,6 @@
       </p:transition>
     </mc:Fallback>
   </mc:AlternateContent>
-  <p:timing>
-    <p:tnLst>
-      <p:par>
-        <p:cTn id="1" dur="indefinite" restart="never" nodeType="tmRoot"/>
-      </p:par>
-    </p:tnLst>
-  </p:timing>
 </p:sld>
 </file>
 
